--- a/Tanishka_Blueprint_generator.pptx
+++ b/Tanishka_Blueprint_generator.pptx
@@ -4233,7 +4233,7 @@
             <a:pPr algn="ctr"/>
             <a:r>
               <a:rPr lang="en-US" dirty="0"/>
-              <a:t>AI-Powered Startup Blueprint Generator using IBM Granite-7B</a:t>
+              <a:t>AI-Powered Startup Blueprint Generator using IBM Granite-3-3-8B</a:t>
             </a:r>
             <a:endParaRPr lang="en-US" b="1" dirty="0">
               <a:solidFill>
@@ -4558,7 +4558,15 @@
             </a:pPr>
             <a:r>
               <a:rPr lang="en-IN" sz="2400" dirty="0"/>
-              <a:t>Falcon-7b(as open alternative or granite proxy) – Hugging faces</a:t>
+              <a:t>IBM Granite Model- </a:t>
+            </a:r>
+            <a:r>
+              <a:rPr lang="en-IN" sz="2400" dirty="0" err="1"/>
+              <a:t>ibm</a:t>
+            </a:r>
+            <a:r>
+              <a:rPr lang="en-IN" sz="2400" dirty="0"/>
+              <a:t>/granite-3-3-8b-instruct</a:t>
             </a:r>
           </a:p>
           <a:p>
@@ -5555,7 +5563,7 @@
           <a:p>
             <a:r>
               <a:rPr lang="en-US" dirty="0"/>
-              <a:t>It uses a Large Language Model (Granite-7B or Falcon-7B-Instruct) to understand user inputs like domain, audience, budget, and timeline, and generates a complete startup plan that includes:</a:t>
+              <a:t>It uses a Large Language Model (Granite-3-3-8bInstruct) to understand user inputs like domain, audience, budget, and timeline, and generates a complete startup plan that includes:</a:t>
             </a:r>
           </a:p>
           <a:p>
@@ -6466,10 +6474,10 @@
           <a:lstStyle/>
           <a:p>
             <a:r>
-              <a:rPr lang="en-US" b="1"/>
+              <a:rPr lang="en-US" b="1" dirty="0"/>
               <a:t>Workflow:</a:t>
             </a:r>
-            <a:endParaRPr lang="en-US"/>
+            <a:endParaRPr lang="en-US" dirty="0"/>
           </a:p>
           <a:p>
             <a:pPr>
@@ -6477,7 +6485,7 @@
               <a:buChar char="•"/>
             </a:pPr>
             <a:r>
-              <a:rPr lang="en-US"/>
+              <a:rPr lang="en-US" dirty="0"/>
               <a:t>User provides 4–5 basic inputs</a:t>
             </a:r>
           </a:p>
@@ -6487,7 +6495,7 @@
               <a:buChar char="•"/>
             </a:pPr>
             <a:r>
-              <a:rPr lang="en-US"/>
+              <a:rPr lang="en-US" dirty="0"/>
               <a:t>These inputs are inserted into a prompt template</a:t>
             </a:r>
           </a:p>
@@ -6497,8 +6505,8 @@
               <a:buChar char="•"/>
             </a:pPr>
             <a:r>
-              <a:rPr lang="en-US"/>
-              <a:t>The prompt is passed to IBM Granite-7B</a:t>
+              <a:rPr lang="en-US" dirty="0"/>
+              <a:t>The prompt is passed to IBM Granite model</a:t>
             </a:r>
           </a:p>
           <a:p>
@@ -6507,7 +6515,7 @@
               <a:buChar char="•"/>
             </a:pPr>
             <a:r>
-              <a:rPr lang="en-US"/>
+              <a:rPr lang="en-US" dirty="0"/>
               <a:t>The model returns a detailed, formatted startup blueprint</a:t>
             </a:r>
           </a:p>
@@ -7675,10 +7683,10 @@
       </p:sp>
       <p:pic>
         <p:nvPicPr>
-          <p:cNvPr id="4" name="Content Placeholder 3">
+          <p:cNvPr id="8" name="Content Placeholder 7">
             <a:extLst>
               <a:ext uri="{FF2B5EF4-FFF2-40B4-BE49-F238E27FC236}">
-                <a16:creationId xmlns:a16="http://schemas.microsoft.com/office/drawing/2014/main" id="{06A026E6-468A-497C-BA21-B02E50652C9B}"/>
+                <a16:creationId xmlns:a16="http://schemas.microsoft.com/office/drawing/2014/main" id="{425968FE-3C79-49D7-9547-5176A9CCE5F1}"/>
               </a:ext>
             </a:extLst>
           </p:cNvPr>
@@ -7697,17 +7705,17 @@
         </p:blipFill>
         <p:spPr>
           <a:xfrm>
-            <a:off x="868101" y="1301751"/>
-            <a:ext cx="4856948" cy="4175771"/>
+            <a:off x="5965793" y="3808520"/>
+            <a:ext cx="5389487" cy="2541235"/>
           </a:xfrm>
         </p:spPr>
       </p:pic>
       <p:pic>
         <p:nvPicPr>
-          <p:cNvPr id="7" name="Picture 6">
+          <p:cNvPr id="11" name="Picture 10">
             <a:extLst>
               <a:ext uri="{FF2B5EF4-FFF2-40B4-BE49-F238E27FC236}">
-                <a16:creationId xmlns:a16="http://schemas.microsoft.com/office/drawing/2014/main" id="{B4475FEF-D6F9-4B9B-8805-4F7BE4283C3F}"/>
+                <a16:creationId xmlns:a16="http://schemas.microsoft.com/office/drawing/2014/main" id="{C6992342-2AAD-43F9-A7F0-3D725033B1E8}"/>
               </a:ext>
             </a:extLst>
           </p:cNvPr>
@@ -7724,50 +7732,44 @@
         </p:blipFill>
         <p:spPr>
           <a:xfrm>
-            <a:off x="5743852" y="1600396"/>
-            <a:ext cx="5566299" cy="3877126"/>
+            <a:off x="0" y="1232452"/>
+            <a:ext cx="5788240" cy="5552811"/>
           </a:xfrm>
           <a:prstGeom prst="rect">
             <a:avLst/>
           </a:prstGeom>
         </p:spPr>
       </p:pic>
-      <p:sp>
-        <p:nvSpPr>
-          <p:cNvPr id="9" name="TextBox 8">
+      <p:pic>
+        <p:nvPicPr>
+          <p:cNvPr id="13" name="Picture 12">
             <a:extLst>
               <a:ext uri="{FF2B5EF4-FFF2-40B4-BE49-F238E27FC236}">
-                <a16:creationId xmlns:a16="http://schemas.microsoft.com/office/drawing/2014/main" id="{03012F03-8617-4152-B510-DA11675E024F}"/>
+                <a16:creationId xmlns:a16="http://schemas.microsoft.com/office/drawing/2014/main" id="{F257928D-140D-47A8-B211-96C04E784D90}"/>
               </a:ext>
             </a:extLst>
           </p:cNvPr>
-          <p:cNvSpPr txBox="1"/>
+          <p:cNvPicPr>
+            <a:picLocks noChangeAspect="1"/>
+          </p:cNvPicPr>
           <p:nvPr/>
-        </p:nvSpPr>
+        </p:nvPicPr>
+        <p:blipFill>
+          <a:blip r:embed="rId4"/>
+          <a:stretch>
+            <a:fillRect/>
+          </a:stretch>
+        </p:blipFill>
         <p:spPr>
           <a:xfrm>
-            <a:off x="1049783" y="5694179"/>
-            <a:ext cx="10260367" cy="646331"/>
+            <a:off x="5965793" y="1178509"/>
+            <a:ext cx="5389487" cy="2541235"/>
           </a:xfrm>
           <a:prstGeom prst="rect">
             <a:avLst/>
           </a:prstGeom>
-          <a:noFill/>
         </p:spPr>
-        <p:txBody>
-          <a:bodyPr wrap="square">
-            <a:spAutoFit/>
-          </a:bodyPr>
-          <a:lstStyle/>
-          <a:p>
-            <a:r>
-              <a:rPr lang="en-US" dirty="0"/>
-              <a:t>Model output is currently being optimized due to GPU constraints. Deployment on Hugging Face Spaces is in progress.</a:t>
-            </a:r>
-            <a:endParaRPr lang="en-IN" dirty="0"/>
-          </a:p>
-        </p:txBody>
-      </p:sp>
+      </p:pic>
     </p:spTree>
     <p:extLst>
       <p:ext uri="{BB962C8B-B14F-4D97-AF65-F5344CB8AC3E}">
@@ -8705,15 +8707,6 @@
 </file>
 
 <file path=customXml/item2.xml><?xml version="1.0" encoding="utf-8"?>
-<p:properties xmlns:p="http://schemas.microsoft.com/office/2006/metadata/properties" xmlns:xsi="http://www.w3.org/2001/XMLSchema-instance" xmlns:pc="http://schemas.microsoft.com/office/infopath/2007/PartnerControls">
-  <documentManagement>
-    <MediaServiceKeyPoints xmlns="9162bd5b-4ed9-4da3-b376-05204580ba3f" xsi:nil="true"/>
-    <_activity xmlns="9162bd5b-4ed9-4da3-b376-05204580ba3f" xsi:nil="true"/>
-  </documentManagement>
-</p:properties>
-</file>
-
-<file path=customXml/item3.xml><?xml version="1.0" encoding="utf-8"?>
 <ct:contentTypeSchema xmlns:ct="http://schemas.microsoft.com/office/2006/metadata/contentType" xmlns:ma="http://schemas.microsoft.com/office/2006/metadata/properties/metaAttributes" ct:_="" ma:_="" ma:contentTypeName="Document" ma:contentTypeID="0x0101000F1872188ABCFC48BECA6C87E8AC3285" ma:contentTypeVersion="17" ma:contentTypeDescription="Create a new document." ma:contentTypeScope="" ma:versionID="55a158675e089c6a85ab0f83b89e1a15">
   <xsd:schema xmlns:xsd="http://www.w3.org/2001/XMLSchema" xmlns:xs="http://www.w3.org/2001/XMLSchema" xmlns:p="http://schemas.microsoft.com/office/2006/metadata/properties" xmlns:ns3="9162bd5b-4ed9-4da3-b376-05204580ba3f" xmlns:ns4="c0fa2617-96bd-425d-8578-e93563fe37c5" targetNamespace="http://schemas.microsoft.com/office/2006/metadata/properties" ma:root="true" ma:fieldsID="b35f082308864fa161c4a0a9eca35eff" ns3:_="" ns4:_="">
     <xsd:import namespace="9162bd5b-4ed9-4da3-b376-05204580ba3f"/>
@@ -8960,6 +8953,15 @@
 </ct:contentTypeSchema>
 </file>
 
+<file path=customXml/item3.xml><?xml version="1.0" encoding="utf-8"?>
+<p:properties xmlns:p="http://schemas.microsoft.com/office/2006/metadata/properties" xmlns:xsi="http://www.w3.org/2001/XMLSchema-instance" xmlns:pc="http://schemas.microsoft.com/office/infopath/2007/PartnerControls">
+  <documentManagement>
+    <MediaServiceKeyPoints xmlns="9162bd5b-4ed9-4da3-b376-05204580ba3f" xsi:nil="true"/>
+    <_activity xmlns="9162bd5b-4ed9-4da3-b376-05204580ba3f" xsi:nil="true"/>
+  </documentManagement>
+</p:properties>
+</file>
+
 <file path=customXml/itemProps1.xml><?xml version="1.0" encoding="utf-8"?>
 <ds:datastoreItem xmlns:ds="http://schemas.openxmlformats.org/officeDocument/2006/customXml" ds:itemID="{927BD4C1-B6B1-4715-ABF9-E660A51A4EA0}">
   <ds:schemaRefs>
@@ -8969,23 +8971,6 @@
 </file>
 
 <file path=customXml/itemProps2.xml><?xml version="1.0" encoding="utf-8"?>
-<ds:datastoreItem xmlns:ds="http://schemas.openxmlformats.org/officeDocument/2006/customXml" ds:itemID="{8D289AE2-D2AE-49D1-AFAC-3A79F6794255}">
-  <ds:schemaRefs>
-    <ds:schemaRef ds:uri="9162bd5b-4ed9-4da3-b376-05204580ba3f"/>
-    <ds:schemaRef ds:uri="c0fa2617-96bd-425d-8578-e93563fe37c5"/>
-    <ds:schemaRef ds:uri="http://purl.org/dc/dcmitype/"/>
-    <ds:schemaRef ds:uri="http://purl.org/dc/elements/1.1/"/>
-    <ds:schemaRef ds:uri="http://purl.org/dc/terms/"/>
-    <ds:schemaRef ds:uri="http://schemas.microsoft.com/office/2006/documentManagement/types"/>
-    <ds:schemaRef ds:uri="http://schemas.microsoft.com/office/2006/metadata/properties"/>
-    <ds:schemaRef ds:uri="http://schemas.microsoft.com/office/infopath/2007/PartnerControls"/>
-    <ds:schemaRef ds:uri="http://schemas.openxmlformats.org/package/2006/metadata/core-properties"/>
-    <ds:schemaRef ds:uri="http://www.w3.org/XML/1998/namespace"/>
-  </ds:schemaRefs>
-</ds:datastoreItem>
-</file>
-
-<file path=customXml/itemProps3.xml><?xml version="1.0" encoding="utf-8"?>
 <ds:datastoreItem xmlns:ds="http://schemas.openxmlformats.org/officeDocument/2006/customXml" ds:itemID="{6E816721-11E4-4989-8472-AB5A7EC20404}">
   <ds:schemaRefs>
     <ds:schemaRef ds:uri="9162bd5b-4ed9-4da3-b376-05204580ba3f"/>
@@ -9002,4 +8987,21 @@
     <ds:schemaRef ds:uri="http://www.w3.org/2001/XMLSchema"/>
   </ds:schemaRefs>
 </ds:datastoreItem>
+</file>
+
+<file path=customXml/itemProps3.xml><?xml version="1.0" encoding="utf-8"?>
+<ds:datastoreItem xmlns:ds="http://schemas.openxmlformats.org/officeDocument/2006/customXml" ds:itemID="{8D289AE2-D2AE-49D1-AFAC-3A79F6794255}">
+  <ds:schemaRefs>
+    <ds:schemaRef ds:uri="9162bd5b-4ed9-4da3-b376-05204580ba3f"/>
+    <ds:schemaRef ds:uri="c0fa2617-96bd-425d-8578-e93563fe37c5"/>
+    <ds:schemaRef ds:uri="http://purl.org/dc/dcmitype/"/>
+    <ds:schemaRef ds:uri="http://purl.org/dc/elements/1.1/"/>
+    <ds:schemaRef ds:uri="http://purl.org/dc/terms/"/>
+    <ds:schemaRef ds:uri="http://schemas.microsoft.com/office/2006/documentManagement/types"/>
+    <ds:schemaRef ds:uri="http://schemas.microsoft.com/office/2006/metadata/properties"/>
+    <ds:schemaRef ds:uri="http://schemas.microsoft.com/office/infopath/2007/PartnerControls"/>
+    <ds:schemaRef ds:uri="http://schemas.openxmlformats.org/package/2006/metadata/core-properties"/>
+    <ds:schemaRef ds:uri="http://www.w3.org/XML/1998/namespace"/>
+  </ds:schemaRefs>
+</ds:datastoreItem>
 </file>
--- a/Tanishka_Blueprint_generator.pptx
+++ b/Tanishka_Blueprint_generator.pptx
@@ -220,7 +220,7 @@
           <a:p>
             <a:fld id="{46256A78-79A6-408F-8148-4F87BB81602D}" type="datetimeFigureOut">
               <a:rPr lang="en-IN" smtClean="0"/>
-              <a:t>04-08-2025</a:t>
+              <a:t>05-08-2025</a:t>
             </a:fld>
             <a:endParaRPr lang="en-IN"/>
           </a:p>
@@ -724,7 +724,7 @@
           <a:p>
             <a:fld id="{ED291B17-9318-49DB-B28B-6E5994AE9581}" type="datetime1">
               <a:rPr lang="en-US" smtClean="0"/>
-              <a:t>8/4/2025</a:t>
+              <a:t>8/5/2025</a:t>
             </a:fld>
             <a:endParaRPr lang="en-US"/>
           </a:p>
@@ -933,7 +933,7 @@
           <a:p>
             <a:fld id="{2CED4963-E985-44C4-B8C4-FDD613B7C2F8}" type="datetime1">
               <a:rPr lang="en-US" smtClean="0"/>
-              <a:t>8/4/2025</a:t>
+              <a:t>8/5/2025</a:t>
             </a:fld>
             <a:endParaRPr lang="en-US"/>
           </a:p>
@@ -1301,7 +1301,7 @@
           <a:p>
             <a:fld id="{ED291B17-9318-49DB-B28B-6E5994AE9581}" type="datetime1">
               <a:rPr lang="en-US" smtClean="0"/>
-              <a:t>8/4/2025</a:t>
+              <a:t>8/5/2025</a:t>
             </a:fld>
             <a:endParaRPr lang="en-US"/>
           </a:p>
@@ -1505,7 +1505,7 @@
           <a:p>
             <a:fld id="{78DD82B9-B8EE-4375-B6FF-88FA6ABB15D9}" type="datetime1">
               <a:rPr lang="en-US" smtClean="0"/>
-              <a:t>8/4/2025</a:t>
+              <a:t>8/5/2025</a:t>
             </a:fld>
             <a:endParaRPr lang="en-US"/>
           </a:p>
@@ -1762,7 +1762,7 @@
           <a:p>
             <a:fld id="{B2497495-0637-405E-AE64-5CC7506D51F5}" type="datetime1">
               <a:rPr lang="en-US" smtClean="0"/>
-              <a:t>8/4/2025</a:t>
+              <a:t>8/5/2025</a:t>
             </a:fld>
             <a:endParaRPr lang="en-US"/>
           </a:p>
@@ -2020,7 +2020,7 @@
           <a:p>
             <a:fld id="{7BFFD690-9426-415D-8B65-26881E07B2D4}" type="datetime1">
               <a:rPr lang="en-US" smtClean="0"/>
-              <a:t>8/4/2025</a:t>
+              <a:t>8/5/2025</a:t>
             </a:fld>
             <a:endParaRPr lang="en-US"/>
           </a:p>
@@ -2447,7 +2447,7 @@
           <a:p>
             <a:fld id="{04C4989A-474C-40DE-95B9-011C28B71673}" type="datetime1">
               <a:rPr lang="en-US" smtClean="0"/>
-              <a:t>8/4/2025</a:t>
+              <a:t>8/5/2025</a:t>
             </a:fld>
             <a:endParaRPr lang="en-US"/>
           </a:p>
@@ -2577,7 +2577,7 @@
           <a:p>
             <a:fld id="{5DB4ED54-5B5E-4A04-93D3-5772E3CE3818}" type="datetime1">
               <a:rPr lang="en-US" smtClean="0"/>
-              <a:t>8/4/2025</a:t>
+              <a:t>8/5/2025</a:t>
             </a:fld>
             <a:endParaRPr lang="en-US"/>
           </a:p>
@@ -2680,7 +2680,7 @@
           <a:p>
             <a:fld id="{4EDE50D6-574B-40AF-946F-D52A04ADE379}" type="datetime1">
               <a:rPr lang="en-US" smtClean="0"/>
-              <a:t>8/4/2025</a:t>
+              <a:t>8/5/2025</a:t>
             </a:fld>
             <a:endParaRPr lang="en-US"/>
           </a:p>
@@ -3063,7 +3063,7 @@
           <a:p>
             <a:fld id="{D82884F1-FFEA-405F-9602-3DCA865EDA4E}" type="datetime1">
               <a:rPr lang="en-US" smtClean="0"/>
-              <a:t>8/4/2025</a:t>
+              <a:t>8/5/2025</a:t>
             </a:fld>
             <a:endParaRPr lang="en-US"/>
           </a:p>
@@ -3357,7 +3357,7 @@
           <a:p>
             <a:fld id="{7E18DB4A-8810-4A10-AD5C-D5E2C667F5B3}" type="datetime1">
               <a:rPr lang="en-US" smtClean="0"/>
-              <a:t>8/4/2025</a:t>
+              <a:t>8/5/2025</a:t>
             </a:fld>
             <a:endParaRPr lang="en-US"/>
           </a:p>
@@ -3578,7 +3578,7 @@
           <a:p>
             <a:fld id="{ED291B17-9318-49DB-B28B-6E5994AE9581}" type="datetime1">
               <a:rPr lang="en-US" smtClean="0"/>
-              <a:t>8/4/2025</a:t>
+              <a:t>8/5/2025</a:t>
             </a:fld>
             <a:endParaRPr lang="en-US"/>
           </a:p>
@@ -5747,7 +5747,7 @@
             <p:ph idx="1"/>
             <p:extLst>
               <p:ext uri="{D42A27DB-BD31-4B8C-83A1-F6EECF244321}">
-                <p14:modId xmlns:p14="http://schemas.microsoft.com/office/powerpoint/2010/main" val="4154161380"/>
+                <p14:modId xmlns:p14="http://schemas.microsoft.com/office/powerpoint/2010/main" val="1899294896"/>
               </p:ext>
             </p:extLst>
           </p:nvPr>
@@ -5868,8 +5868,16 @@
                     <a:lstStyle/>
                     <a:p>
                       <a:r>
-                        <a:rPr lang="en-IN"/>
-                        <a:t>IBM Granite-7B (via InstructLab)</a:t>
+                        <a:rPr lang="en-IN" dirty="0"/>
+                        <a:t>IBM Granite-3-3-8B (via </a:t>
+                      </a:r>
+                      <a:r>
+                        <a:rPr lang="en-IN" dirty="0" err="1"/>
+                        <a:t>InstructLab</a:t>
+                      </a:r>
+                      <a:r>
+                        <a:rPr lang="en-IN" dirty="0"/>
+                        <a:t>)</a:t>
                       </a:r>
                     </a:p>
                   </a:txBody>
@@ -6045,8 +6053,8 @@
                     <a:lstStyle/>
                     <a:p>
                       <a:r>
-                        <a:rPr lang="en-IN"/>
-                        <a:t>Jupyter Notebook / CLI</a:t>
+                        <a:rPr lang="en-IN" dirty="0"/>
+                        <a:t>Watsonx.ai Notebook / CLI</a:t>
                       </a:r>
                     </a:p>
                   </a:txBody>
@@ -6725,33 +6733,7 @@
                 <a:effectLst/>
                 <a:latin typeface="Arial" panose="020B0604020202020204" pitchFamily="34" charset="0"/>
               </a:rPr>
-              <a:t>: IBM Granite-7B (via </a:t>
-            </a:r>
-            <a:r>
-              <a:rPr kumimoji="0" lang="en-US" altLang="en-US" sz="1800" b="0" i="0" u="none" strike="noStrike" cap="none" normalizeH="0" baseline="0" dirty="0" err="1">
-                <a:ln>
-                  <a:noFill/>
-                </a:ln>
-                <a:solidFill>
-                  <a:schemeClr val="tx1"/>
-                </a:solidFill>
-                <a:effectLst/>
-                <a:latin typeface="Arial" panose="020B0604020202020204" pitchFamily="34" charset="0"/>
-              </a:rPr>
-              <a:t>InstructLab</a:t>
-            </a:r>
-            <a:r>
-              <a:rPr kumimoji="0" lang="en-US" altLang="en-US" sz="1800" b="0" i="0" u="none" strike="noStrike" cap="none" normalizeH="0" baseline="0" dirty="0">
-                <a:ln>
-                  <a:noFill/>
-                </a:ln>
-                <a:solidFill>
-                  <a:schemeClr val="tx1"/>
-                </a:solidFill>
-                <a:effectLst/>
-                <a:latin typeface="Arial" panose="020B0604020202020204" pitchFamily="34" charset="0"/>
-              </a:rPr>
-              <a:t>) or Falcon-7B-Instruct (as open alternative)</a:t>
+              <a:t>: IBM Granite-3-3-8B (via Instruct) </a:t>
             </a:r>
           </a:p>
           <a:p>
@@ -7705,8 +7687,8 @@
         </p:blipFill>
         <p:spPr>
           <a:xfrm>
-            <a:off x="5965793" y="3808520"/>
-            <a:ext cx="5389487" cy="2541235"/>
+            <a:off x="5965793" y="3808521"/>
+            <a:ext cx="5389487" cy="1997476"/>
           </a:xfrm>
         </p:spPr>
       </p:pic>
@@ -7732,8 +7714,8 @@
         </p:blipFill>
         <p:spPr>
           <a:xfrm>
-            <a:off x="0" y="1232452"/>
-            <a:ext cx="5788240" cy="5552811"/>
+            <a:off x="-38988" y="1232452"/>
+            <a:ext cx="5788240" cy="4502523"/>
           </a:xfrm>
           <a:prstGeom prst="rect">
             <a:avLst/>
@@ -7762,7 +7744,7 @@
         </p:blipFill>
         <p:spPr>
           <a:xfrm>
-            <a:off x="5965793" y="1178509"/>
+            <a:off x="6004780" y="1140577"/>
             <a:ext cx="5389487" cy="2541235"/>
           </a:xfrm>
           <a:prstGeom prst="rect">
@@ -7770,6 +7752,58 @@
           </a:prstGeom>
         </p:spPr>
       </p:pic>
+      <p:sp>
+        <p:nvSpPr>
+          <p:cNvPr id="7" name="TextBox 6">
+            <a:extLst>
+              <a:ext uri="{FF2B5EF4-FFF2-40B4-BE49-F238E27FC236}">
+                <a16:creationId xmlns:a16="http://schemas.microsoft.com/office/drawing/2014/main" id="{FF9E4864-D9BF-4813-8613-8DDFAC99B6D2}"/>
+              </a:ext>
+            </a:extLst>
+          </p:cNvPr>
+          <p:cNvSpPr txBox="1"/>
+          <p:nvPr/>
+        </p:nvSpPr>
+        <p:spPr>
+          <a:xfrm>
+            <a:off x="492414" y="5796216"/>
+            <a:ext cx="10886021" cy="923330"/>
+          </a:xfrm>
+          <a:prstGeom prst="rect">
+            <a:avLst/>
+          </a:prstGeom>
+          <a:noFill/>
+        </p:spPr>
+        <p:txBody>
+          <a:bodyPr wrap="square">
+            <a:spAutoFit/>
+          </a:bodyPr>
+          <a:lstStyle/>
+          <a:p>
+            <a:r>
+              <a:rPr lang="en-US" dirty="0"/>
+              <a:t>#- Due to limitations in the IBM Cloud Lite tier, direct deployment of Granite via API was not possible. The model was used inside </a:t>
+            </a:r>
+            <a:r>
+              <a:rPr lang="en-US" dirty="0" err="1"/>
+              <a:t>Watsonx</a:t>
+            </a:r>
+            <a:r>
+              <a:rPr lang="en-US" dirty="0"/>
+              <a:t> Studio Notebook, and the </a:t>
+            </a:r>
+            <a:r>
+              <a:rPr lang="en-US" dirty="0" err="1"/>
+              <a:t>Gradio</a:t>
+            </a:r>
+            <a:r>
+              <a:rPr lang="en-US" dirty="0"/>
+              <a:t> UI was built on top of the actual output for presentation and demonstration purposes.</a:t>
+            </a:r>
+            <a:endParaRPr lang="en-IN" dirty="0"/>
+          </a:p>
+        </p:txBody>
+      </p:sp>
     </p:spTree>
     <p:extLst>
       <p:ext uri="{BB962C8B-B14F-4D97-AF65-F5344CB8AC3E}">
@@ -7864,7 +7898,7 @@
             <a:pPr marL="305435" indent="-305435"/>
             <a:r>
               <a:rPr lang="en-US" sz="2000" dirty="0"/>
-              <a:t>This project demonstrates how IBM’s Granite-7B model can serve as a business strategist, generating high-quality startup blueprints using well-crafted prompts. Prompt engineering was central to guiding the LLM toward structured, relevant, and domain-specific outputs.</a:t>
+              <a:t>This project demonstrates how IBM’s Granite-3-3-8B model can serve as a business strategist, generating high-quality startup blueprints using well-crafted prompts. Prompt engineering was central to guiding the LLM toward structured, relevant, and domain-specific outputs.</a:t>
             </a:r>
             <a:endParaRPr lang="en-IN" sz="2000" dirty="0"/>
           </a:p>
@@ -8707,6 +8741,15 @@
 </file>
 
 <file path=customXml/item2.xml><?xml version="1.0" encoding="utf-8"?>
+<p:properties xmlns:p="http://schemas.microsoft.com/office/2006/metadata/properties" xmlns:xsi="http://www.w3.org/2001/XMLSchema-instance" xmlns:pc="http://schemas.microsoft.com/office/infopath/2007/PartnerControls">
+  <documentManagement>
+    <MediaServiceKeyPoints xmlns="9162bd5b-4ed9-4da3-b376-05204580ba3f" xsi:nil="true"/>
+    <_activity xmlns="9162bd5b-4ed9-4da3-b376-05204580ba3f" xsi:nil="true"/>
+  </documentManagement>
+</p:properties>
+</file>
+
+<file path=customXml/item3.xml><?xml version="1.0" encoding="utf-8"?>
 <ct:contentTypeSchema xmlns:ct="http://schemas.microsoft.com/office/2006/metadata/contentType" xmlns:ma="http://schemas.microsoft.com/office/2006/metadata/properties/metaAttributes" ct:_="" ma:_="" ma:contentTypeName="Document" ma:contentTypeID="0x0101000F1872188ABCFC48BECA6C87E8AC3285" ma:contentTypeVersion="17" ma:contentTypeDescription="Create a new document." ma:contentTypeScope="" ma:versionID="55a158675e089c6a85ab0f83b89e1a15">
   <xsd:schema xmlns:xsd="http://www.w3.org/2001/XMLSchema" xmlns:xs="http://www.w3.org/2001/XMLSchema" xmlns:p="http://schemas.microsoft.com/office/2006/metadata/properties" xmlns:ns3="9162bd5b-4ed9-4da3-b376-05204580ba3f" xmlns:ns4="c0fa2617-96bd-425d-8578-e93563fe37c5" targetNamespace="http://schemas.microsoft.com/office/2006/metadata/properties" ma:root="true" ma:fieldsID="b35f082308864fa161c4a0a9eca35eff" ns3:_="" ns4:_="">
     <xsd:import namespace="9162bd5b-4ed9-4da3-b376-05204580ba3f"/>
@@ -8953,15 +8996,6 @@
 </ct:contentTypeSchema>
 </file>
 
-<file path=customXml/item3.xml><?xml version="1.0" encoding="utf-8"?>
-<p:properties xmlns:p="http://schemas.microsoft.com/office/2006/metadata/properties" xmlns:xsi="http://www.w3.org/2001/XMLSchema-instance" xmlns:pc="http://schemas.microsoft.com/office/infopath/2007/PartnerControls">
-  <documentManagement>
-    <MediaServiceKeyPoints xmlns="9162bd5b-4ed9-4da3-b376-05204580ba3f" xsi:nil="true"/>
-    <_activity xmlns="9162bd5b-4ed9-4da3-b376-05204580ba3f" xsi:nil="true"/>
-  </documentManagement>
-</p:properties>
-</file>
-
 <file path=customXml/itemProps1.xml><?xml version="1.0" encoding="utf-8"?>
 <ds:datastoreItem xmlns:ds="http://schemas.openxmlformats.org/officeDocument/2006/customXml" ds:itemID="{927BD4C1-B6B1-4715-ABF9-E660A51A4EA0}">
   <ds:schemaRefs>
@@ -8971,6 +9005,23 @@
 </file>
 
 <file path=customXml/itemProps2.xml><?xml version="1.0" encoding="utf-8"?>
+<ds:datastoreItem xmlns:ds="http://schemas.openxmlformats.org/officeDocument/2006/customXml" ds:itemID="{8D289AE2-D2AE-49D1-AFAC-3A79F6794255}">
+  <ds:schemaRefs>
+    <ds:schemaRef ds:uri="9162bd5b-4ed9-4da3-b376-05204580ba3f"/>
+    <ds:schemaRef ds:uri="c0fa2617-96bd-425d-8578-e93563fe37c5"/>
+    <ds:schemaRef ds:uri="http://purl.org/dc/dcmitype/"/>
+    <ds:schemaRef ds:uri="http://purl.org/dc/elements/1.1/"/>
+    <ds:schemaRef ds:uri="http://purl.org/dc/terms/"/>
+    <ds:schemaRef ds:uri="http://schemas.microsoft.com/office/2006/documentManagement/types"/>
+    <ds:schemaRef ds:uri="http://schemas.microsoft.com/office/2006/metadata/properties"/>
+    <ds:schemaRef ds:uri="http://schemas.microsoft.com/office/infopath/2007/PartnerControls"/>
+    <ds:schemaRef ds:uri="http://schemas.openxmlformats.org/package/2006/metadata/core-properties"/>
+    <ds:schemaRef ds:uri="http://www.w3.org/XML/1998/namespace"/>
+  </ds:schemaRefs>
+</ds:datastoreItem>
+</file>
+
+<file path=customXml/itemProps3.xml><?xml version="1.0" encoding="utf-8"?>
 <ds:datastoreItem xmlns:ds="http://schemas.openxmlformats.org/officeDocument/2006/customXml" ds:itemID="{6E816721-11E4-4989-8472-AB5A7EC20404}">
   <ds:schemaRefs>
     <ds:schemaRef ds:uri="9162bd5b-4ed9-4da3-b376-05204580ba3f"/>
@@ -8987,21 +9038,4 @@
     <ds:schemaRef ds:uri="http://www.w3.org/2001/XMLSchema"/>
   </ds:schemaRefs>
 </ds:datastoreItem>
-</file>
-
-<file path=customXml/itemProps3.xml><?xml version="1.0" encoding="utf-8"?>
-<ds:datastoreItem xmlns:ds="http://schemas.openxmlformats.org/officeDocument/2006/customXml" ds:itemID="{8D289AE2-D2AE-49D1-AFAC-3A79F6794255}">
-  <ds:schemaRefs>
-    <ds:schemaRef ds:uri="9162bd5b-4ed9-4da3-b376-05204580ba3f"/>
-    <ds:schemaRef ds:uri="c0fa2617-96bd-425d-8578-e93563fe37c5"/>
-    <ds:schemaRef ds:uri="http://purl.org/dc/dcmitype/"/>
-    <ds:schemaRef ds:uri="http://purl.org/dc/elements/1.1/"/>
-    <ds:schemaRef ds:uri="http://purl.org/dc/terms/"/>
-    <ds:schemaRef ds:uri="http://schemas.microsoft.com/office/2006/documentManagement/types"/>
-    <ds:schemaRef ds:uri="http://schemas.microsoft.com/office/2006/metadata/properties"/>
-    <ds:schemaRef ds:uri="http://schemas.microsoft.com/office/infopath/2007/PartnerControls"/>
-    <ds:schemaRef ds:uri="http://schemas.openxmlformats.org/package/2006/metadata/core-properties"/>
-    <ds:schemaRef ds:uri="http://www.w3.org/XML/1998/namespace"/>
-  </ds:schemaRefs>
-</ds:datastoreItem>
 </file>